--- a/#00 - Material de Apoio/00 - Fundamentos de C#/Slide Padrão.pptx
+++ b/#00 - Material de Apoio/00 - Fundamentos de C#/Slide Padrão.pptx
@@ -9,7 +9,7 @@
   </p:notesMasterIdLst>
   <p:sldIdLst>
     <p:sldId id="256" r:id="rId2"/>
-    <p:sldId id="269" r:id="rId3"/>
+    <p:sldId id="270" r:id="rId3"/>
     <p:sldId id="260" r:id="rId4"/>
   </p:sldIdLst>
   <p:sldSz cx="18288000" cy="10287000"/>
@@ -2166,7 +2166,7 @@
       </p:grpSpPr>
       <p:sp>
         <p:nvSpPr>
-          <p:cNvPr id="8" name="object 28"/>
+          <p:cNvPr id="9" name="object 28"/>
           <p:cNvSpPr txBox="1">
             <a:spLocks/>
           </p:cNvSpPr>
@@ -2174,7 +2174,7 @@
         </p:nvSpPr>
         <p:spPr>
           <a:xfrm>
-            <a:off x="1219301" y="706068"/>
+            <a:off x="838200" y="722256"/>
             <a:ext cx="13715899" cy="943848"/>
           </a:xfrm>
           <a:prstGeom prst="rect">
@@ -2204,16 +2204,6 @@
               </a:spcBef>
             </a:pPr>
             <a:r>
-              <a:rPr lang="pt-BR" sz="6050" b="1" kern="0" spc="270" dirty="0">
-                <a:solidFill>
-                  <a:srgbClr val="69EB00"/>
-                </a:solidFill>
-                <a:latin typeface="Arial"/>
-                <a:cs typeface="Arial"/>
-              </a:rPr>
-              <a:t>C# </a:t>
-            </a:r>
-            <a:r>
               <a:rPr lang="pt-BR" sz="6050" b="1" kern="0" spc="270" dirty="0" smtClean="0">
                 <a:solidFill>
                   <a:srgbClr val="69EB00"/>
@@ -2221,14 +2211,7 @@
                 <a:latin typeface="Arial"/>
                 <a:cs typeface="Arial"/>
               </a:rPr>
-              <a:t>Fundamentals </a:t>
-            </a:r>
-            <a:r>
-              <a:rPr lang="pt-BR" sz="6050" b="1" spc="345" dirty="0" smtClean="0">
-                <a:latin typeface="Arial"/>
-                <a:cs typeface="Arial"/>
-              </a:rPr>
-              <a:t>Início</a:t>
+              <a:t>Linguagem compilada:</a:t>
             </a:r>
             <a:endParaRPr lang="pt-BR" sz="6050" kern="0" dirty="0">
               <a:latin typeface="Arial"/>
@@ -2239,7 +2222,7 @@
       </p:sp>
       <p:sp>
         <p:nvSpPr>
-          <p:cNvPr id="9" name="object 5"/>
+          <p:cNvPr id="10" name="object 5"/>
           <p:cNvSpPr/>
           <p:nvPr/>
         </p:nvSpPr>
@@ -2400,10 +2383,71 @@
           </a:p>
         </p:txBody>
       </p:sp>
+      <p:sp>
+        <p:nvSpPr>
+          <p:cNvPr id="7" name="object 7"/>
+          <p:cNvSpPr txBox="1">
+            <a:spLocks/>
+          </p:cNvSpPr>
+          <p:nvPr/>
+        </p:nvSpPr>
+        <p:spPr>
+          <a:xfrm>
+            <a:off x="1204060" y="2324100"/>
+            <a:ext cx="15559939" cy="627736"/>
+          </a:xfrm>
+          <a:prstGeom prst="rect">
+            <a:avLst/>
+          </a:prstGeom>
+        </p:spPr>
+        <p:txBody>
+          <a:bodyPr vert="horz" wrap="square" lIns="0" tIns="12065" rIns="0" bIns="0" rtlCol="0">
+            <a:spAutoFit/>
+          </a:bodyPr>
+          <a:lstStyle>
+            <a:lvl1pPr>
+              <a:defRPr sz="12200" b="0" i="0">
+                <a:solidFill>
+                  <a:schemeClr val="bg1"/>
+                </a:solidFill>
+                <a:latin typeface="Lucida Sans Unicode"/>
+                <a:ea typeface="+mj-ea"/>
+                <a:cs typeface="Lucida Sans Unicode"/>
+              </a:defRPr>
+            </a:lvl1pPr>
+          </a:lstStyle>
+          <a:p>
+            <a:pPr marL="584200" indent="-571500" algn="just">
+              <a:spcBef>
+                <a:spcPts val="95"/>
+              </a:spcBef>
+              <a:buFont typeface="Wingdings" panose="05000000000000000000" pitchFamily="2" charset="2"/>
+              <a:buChar char="§"/>
+            </a:pPr>
+            <a:r>
+              <a:rPr lang="pt-BR" sz="4000" b="1" kern="0" spc="180" dirty="0" smtClean="0">
+                <a:solidFill>
+                  <a:schemeClr val="tx1"/>
+                </a:solidFill>
+                <a:latin typeface="Arial"/>
+                <a:cs typeface="Arial"/>
+              </a:rPr>
+              <a:t>a</a:t>
+            </a:r>
+            <a:endParaRPr lang="pt-BR" sz="4000" b="1" kern="0" spc="180" dirty="0">
+              <a:solidFill>
+                <a:schemeClr val="tx1"/>
+              </a:solidFill>
+              <a:latin typeface="Arial"/>
+              <a:cs typeface="Arial"/>
+            </a:endParaRPr>
+          </a:p>
+        </p:txBody>
+      </p:sp>
     </p:spTree>
     <p:extLst>
       <p:ext uri="{BB962C8B-B14F-4D97-AF65-F5344CB8AC3E}">
-        <p14:creationId xmlns:p14="http://schemas.microsoft.com/office/powerpoint/2010/main" val="1552637054"/>
+        <p14:creationId xmlns:p14="http://schemas.microsoft.com/office/powerpoint/2010/main" val="4209142883"/>
       </p:ext>
     </p:extLst>
   </p:cSld>
